--- a/RotaMaster.pptx
+++ b/RotaMaster.pptx
@@ -8,26 +8,29 @@
     <p:sldMasterId id="2147483684" r:id="rId7"/>
   </p:sldMasterIdLst>
   <p:notesMasterIdLst>
-    <p:notesMasterId r:id="rId22"/>
+    <p:notesMasterId r:id="rId25"/>
   </p:notesMasterIdLst>
   <p:handoutMasterIdLst>
-    <p:handoutMasterId r:id="rId23"/>
+    <p:handoutMasterId r:id="rId26"/>
   </p:handoutMasterIdLst>
   <p:sldIdLst>
     <p:sldId id="272" r:id="rId8"/>
     <p:sldId id="259" r:id="rId9"/>
     <p:sldId id="269" r:id="rId10"/>
     <p:sldId id="270" r:id="rId11"/>
-    <p:sldId id="267" r:id="rId12"/>
-    <p:sldId id="280" r:id="rId13"/>
-    <p:sldId id="283" r:id="rId14"/>
-    <p:sldId id="284" r:id="rId15"/>
-    <p:sldId id="285" r:id="rId16"/>
-    <p:sldId id="286" r:id="rId17"/>
-    <p:sldId id="264" r:id="rId18"/>
-    <p:sldId id="287" r:id="rId19"/>
-    <p:sldId id="288" r:id="rId20"/>
-    <p:sldId id="265" r:id="rId21"/>
+    <p:sldId id="289" r:id="rId12"/>
+    <p:sldId id="267" r:id="rId13"/>
+    <p:sldId id="280" r:id="rId14"/>
+    <p:sldId id="283" r:id="rId15"/>
+    <p:sldId id="284" r:id="rId16"/>
+    <p:sldId id="285" r:id="rId17"/>
+    <p:sldId id="286" r:id="rId18"/>
+    <p:sldId id="290" r:id="rId19"/>
+    <p:sldId id="264" r:id="rId20"/>
+    <p:sldId id="287" r:id="rId21"/>
+    <p:sldId id="291" r:id="rId22"/>
+    <p:sldId id="288" r:id="rId23"/>
+    <p:sldId id="265" r:id="rId24"/>
   </p:sldIdLst>
   <p:sldSz cx="12192000" cy="6858000"/>
   <p:notesSz cx="6858000" cy="9144000"/>
@@ -139,14 +142,17 @@
         </p14:section>
         <p14:section name="The session" id="{9BCE8471-468A-4538-82B3-E4E62B0A593E}">
           <p14:sldIdLst>
+            <p14:sldId id="289"/>
             <p14:sldId id="267"/>
             <p14:sldId id="280"/>
             <p14:sldId id="283"/>
             <p14:sldId id="284"/>
             <p14:sldId id="285"/>
             <p14:sldId id="286"/>
+            <p14:sldId id="290"/>
             <p14:sldId id="264"/>
             <p14:sldId id="287"/>
+            <p14:sldId id="291"/>
             <p14:sldId id="288"/>
             <p14:sldId id="265"/>
           </p14:sldIdLst>
@@ -266,7 +272,7 @@
           <a:p>
             <a:fld id="{69440670-43D7-400A-ABC5-B69E064DBB37}" type="datetimeFigureOut">
               <a:rPr lang="en-GB" smtClean="0"/>
-              <a:t>02/01/2025</a:t>
+              <a:t>03/01/2025</a:t>
             </a:fld>
             <a:endParaRPr lang="en-GB"/>
           </a:p>
@@ -344,7 +350,7 @@
           <a:p>
             <a:fld id="{D8274045-2E90-4839-9E75-1C1FCF04B584}" type="slidenum">
               <a:rPr lang="en-GB" smtClean="0"/>
-              <a:t>‹#›</a:t>
+              <a:t>‹Nr.›</a:t>
             </a:fld>
             <a:endParaRPr lang="en-GB"/>
           </a:p>
@@ -443,7 +449,7 @@
           <a:p>
             <a:fld id="{611B03A4-75C9-4E3D-9183-2102CA9AEC33}" type="datetimeFigureOut">
               <a:rPr lang="en-GB" smtClean="0"/>
-              <a:t>02/01/2025</a:t>
+              <a:t>03/01/2025</a:t>
             </a:fld>
             <a:endParaRPr lang="en-GB"/>
           </a:p>
@@ -602,7 +608,7 @@
           <a:p>
             <a:fld id="{A7839206-A81D-4F76-8486-302187992F73}" type="slidenum">
               <a:rPr lang="en-GB" smtClean="0"/>
-              <a:t>‹#›</a:t>
+              <a:t>‹Nr.›</a:t>
             </a:fld>
             <a:endParaRPr lang="en-GB"/>
           </a:p>
@@ -1052,6 +1058,114 @@
   <p:cSld>
     <p:spTree>
       <p:nvGrpSpPr>
+        <p:cNvPr id="1" name="">
+          <a:extLst>
+            <a:ext uri="{FF2B5EF4-FFF2-40B4-BE49-F238E27FC236}">
+              <a16:creationId xmlns:a16="http://schemas.microsoft.com/office/drawing/2014/main" id="{4EFA4DDD-7B64-98F4-084A-F6CF33D92C77}"/>
+            </a:ext>
+          </a:extLst>
+        </p:cNvPr>
+        <p:cNvGrpSpPr/>
+        <p:nvPr/>
+      </p:nvGrpSpPr>
+      <p:grpSpPr>
+        <a:xfrm>
+          <a:off x="0" y="0"/>
+          <a:ext cx="0" cy="0"/>
+          <a:chOff x="0" y="0"/>
+          <a:chExt cx="0" cy="0"/>
+        </a:xfrm>
+      </p:grpSpPr>
+      <p:sp>
+        <p:nvSpPr>
+          <p:cNvPr id="2" name="Folienbildplatzhalter 1">
+            <a:extLst>
+              <a:ext uri="{FF2B5EF4-FFF2-40B4-BE49-F238E27FC236}">
+                <a16:creationId xmlns:a16="http://schemas.microsoft.com/office/drawing/2014/main" id="{E4C98072-5957-37A8-391E-243B92F405A4}"/>
+              </a:ext>
+            </a:extLst>
+          </p:cNvPr>
+          <p:cNvSpPr>
+            <a:spLocks noGrp="1" noRot="1" noChangeAspect="1"/>
+          </p:cNvSpPr>
+          <p:nvPr>
+            <p:ph type="sldImg"/>
+          </p:nvPr>
+        </p:nvSpPr>
+        <p:spPr/>
+      </p:sp>
+      <p:sp>
+        <p:nvSpPr>
+          <p:cNvPr id="3" name="Notizenplatzhalter 2">
+            <a:extLst>
+              <a:ext uri="{FF2B5EF4-FFF2-40B4-BE49-F238E27FC236}">
+                <a16:creationId xmlns:a16="http://schemas.microsoft.com/office/drawing/2014/main" id="{0D3BB363-9C4D-48C8-EED7-2FB5B3B0709C}"/>
+              </a:ext>
+            </a:extLst>
+          </p:cNvPr>
+          <p:cNvSpPr>
+            <a:spLocks noGrp="1"/>
+          </p:cNvSpPr>
+          <p:nvPr>
+            <p:ph type="body" idx="1"/>
+          </p:nvPr>
+        </p:nvSpPr>
+        <p:spPr/>
+        <p:txBody>
+          <a:bodyPr/>
+          <a:lstStyle/>
+          <a:p>
+            <a:endParaRPr lang="en-DE" dirty="0"/>
+          </a:p>
+        </p:txBody>
+      </p:sp>
+      <p:sp>
+        <p:nvSpPr>
+          <p:cNvPr id="4" name="Foliennummernplatzhalter 3">
+            <a:extLst>
+              <a:ext uri="{FF2B5EF4-FFF2-40B4-BE49-F238E27FC236}">
+                <a16:creationId xmlns:a16="http://schemas.microsoft.com/office/drawing/2014/main" id="{2016B908-2B8B-51CB-97FB-CBC907D77966}"/>
+              </a:ext>
+            </a:extLst>
+          </p:cNvPr>
+          <p:cNvSpPr>
+            <a:spLocks noGrp="1"/>
+          </p:cNvSpPr>
+          <p:nvPr>
+            <p:ph type="sldNum" sz="quarter" idx="5"/>
+          </p:nvPr>
+        </p:nvSpPr>
+        <p:spPr/>
+        <p:txBody>
+          <a:bodyPr/>
+          <a:lstStyle/>
+          <a:p>
+            <a:fld id="{A7839206-A81D-4F76-8486-302187992F73}" type="slidenum">
+              <a:rPr lang="en-GB" smtClean="0"/>
+              <a:t>5</a:t>
+            </a:fld>
+            <a:endParaRPr lang="en-GB"/>
+          </a:p>
+        </p:txBody>
+      </p:sp>
+    </p:spTree>
+    <p:extLst>
+      <p:ext uri="{BB962C8B-B14F-4D97-AF65-F5344CB8AC3E}">
+        <p14:creationId xmlns:p14="http://schemas.microsoft.com/office/powerpoint/2010/main" val="4115427178"/>
+      </p:ext>
+    </p:extLst>
+  </p:cSld>
+  <p:clrMapOvr>
+    <a:masterClrMapping/>
+  </p:clrMapOvr>
+</p:notes>
+</file>
+
+<file path=ppt/notesSlides/notesSlide6.xml><?xml version="1.0" encoding="utf-8"?>
+<p:notes xmlns:a="http://schemas.openxmlformats.org/drawingml/2006/main" xmlns:r="http://schemas.openxmlformats.org/officeDocument/2006/relationships" xmlns:p="http://schemas.openxmlformats.org/presentationml/2006/main">
+  <p:cSld>
+    <p:spTree>
+      <p:nvGrpSpPr>
         <p:cNvPr id="1" name=""/>
         <p:cNvGrpSpPr/>
         <p:nvPr/>
@@ -1112,7 +1226,7 @@
           <a:p>
             <a:fld id="{A7839206-A81D-4F76-8486-302187992F73}" type="slidenum">
               <a:rPr lang="en-GB" smtClean="0"/>
-              <a:t>6</a:t>
+              <a:t>7</a:t>
             </a:fld>
             <a:endParaRPr lang="en-GB"/>
           </a:p>
@@ -3118,42 +3232,6 @@
           <a:xfrm>
             <a:off x="4010591" y="137310"/>
             <a:ext cx="4166241" cy="1426795"/>
-          </a:xfrm>
-          <a:prstGeom prst="rect">
-            <a:avLst/>
-          </a:prstGeom>
-        </p:spPr>
-      </p:pic>
-      <p:pic>
-        <p:nvPicPr>
-          <p:cNvPr id="6" name="Image 5" descr="Une image contenant Graphique, graphisme, Police, conception&#10;&#10;Description générée automatiquement">
-            <a:extLst>
-              <a:ext uri="{FF2B5EF4-FFF2-40B4-BE49-F238E27FC236}">
-                <a16:creationId xmlns:a16="http://schemas.microsoft.com/office/drawing/2014/main" id="{CCCA1A86-84F6-61BC-265D-986050007E3E}"/>
-              </a:ext>
-            </a:extLst>
-          </p:cNvPr>
-          <p:cNvPicPr>
-            <a:picLocks noChangeAspect="1"/>
-          </p:cNvPicPr>
-          <p:nvPr userDrawn="1"/>
-        </p:nvPicPr>
-        <p:blipFill>
-          <a:blip r:embed="rId5">
-            <a:extLst>
-              <a:ext uri="{28A0092B-C50C-407E-A947-70E740481C1C}">
-                <a14:useLocalDpi xmlns:a14="http://schemas.microsoft.com/office/drawing/2010/main" val="0"/>
-              </a:ext>
-            </a:extLst>
-          </a:blip>
-          <a:stretch>
-            <a:fillRect/>
-          </a:stretch>
-        </p:blipFill>
-        <p:spPr>
-          <a:xfrm>
-            <a:off x="351859" y="6085270"/>
-            <a:ext cx="2677091" cy="635445"/>
           </a:xfrm>
           <a:prstGeom prst="rect">
             <a:avLst/>
@@ -3907,8 +3985,8 @@
         </p:nvSpPr>
         <p:spPr>
           <a:xfrm>
-            <a:off x="9637077" y="6301886"/>
-            <a:ext cx="2273968" cy="365125"/>
+            <a:off x="9342783" y="6301886"/>
+            <a:ext cx="2568262" cy="365125"/>
           </a:xfrm>
           <a:prstGeom prst="rect">
             <a:avLst/>
@@ -4018,47 +4096,11 @@
                   <a:srgbClr val="346296"/>
                 </a:solidFill>
               </a:rPr>
-              <a:t>@raimundandree</a:t>
+              <a:t>@tinuwalther.bsky.social</a:t>
             </a:r>
           </a:p>
         </p:txBody>
       </p:sp>
-      <p:pic>
-        <p:nvPicPr>
-          <p:cNvPr id="2" name="Image 1" descr="Une image contenant capture d’écran, ligne, Graphique, Bleu électrique&#10;&#10;Description générée automatiquement">
-            <a:extLst>
-              <a:ext uri="{FF2B5EF4-FFF2-40B4-BE49-F238E27FC236}">
-                <a16:creationId xmlns:a16="http://schemas.microsoft.com/office/drawing/2014/main" id="{EC42AD5F-B6B5-8DD5-EE15-B684945B5727}"/>
-              </a:ext>
-            </a:extLst>
-          </p:cNvPr>
-          <p:cNvPicPr>
-            <a:picLocks noChangeAspect="1"/>
-          </p:cNvPicPr>
-          <p:nvPr userDrawn="1"/>
-        </p:nvPicPr>
-        <p:blipFill>
-          <a:blip r:embed="rId4">
-            <a:extLst>
-              <a:ext uri="{28A0092B-C50C-407E-A947-70E740481C1C}">
-                <a14:useLocalDpi xmlns:a14="http://schemas.microsoft.com/office/drawing/2010/main" val="0"/>
-              </a:ext>
-            </a:extLst>
-          </a:blip>
-          <a:stretch>
-            <a:fillRect/>
-          </a:stretch>
-        </p:blipFill>
-        <p:spPr>
-          <a:xfrm>
-            <a:off x="9298333" y="6333117"/>
-            <a:ext cx="342783" cy="350754"/>
-          </a:xfrm>
-          <a:prstGeom prst="rect">
-            <a:avLst/>
-          </a:prstGeom>
-        </p:spPr>
-      </p:pic>
     </p:spTree>
     <p:extLst>
       <p:ext uri="{BB962C8B-B14F-4D97-AF65-F5344CB8AC3E}">
@@ -4535,8 +4577,8 @@
         </p:nvSpPr>
         <p:spPr>
           <a:xfrm>
-            <a:off x="9574336" y="6371457"/>
-            <a:ext cx="2273968" cy="365125"/>
+            <a:off x="9287123" y="6371457"/>
+            <a:ext cx="2561181" cy="365125"/>
           </a:xfrm>
           <a:prstGeom prst="rect">
             <a:avLst/>
@@ -4646,7 +4688,7 @@
                   <a:srgbClr val="346296"/>
                 </a:solidFill>
               </a:rPr>
-              <a:t>@raimundandree</a:t>
+              <a:t>@tinuwalther.bsky.social</a:t>
             </a:r>
           </a:p>
         </p:txBody>
@@ -4681,78 +4723,6 @@
           <a:xfrm>
             <a:off x="10822738" y="196674"/>
             <a:ext cx="1062038" cy="904875"/>
-          </a:xfrm>
-          <a:prstGeom prst="rect">
-            <a:avLst/>
-          </a:prstGeom>
-        </p:spPr>
-      </p:pic>
-      <p:pic>
-        <p:nvPicPr>
-          <p:cNvPr id="6" name="Image 5" descr="Une image contenant Graphique, graphisme, Police, conception&#10;&#10;Description générée automatiquement">
-            <a:extLst>
-              <a:ext uri="{FF2B5EF4-FFF2-40B4-BE49-F238E27FC236}">
-                <a16:creationId xmlns:a16="http://schemas.microsoft.com/office/drawing/2014/main" id="{E930E345-9F23-9F70-8149-3EF195727FE3}"/>
-              </a:ext>
-            </a:extLst>
-          </p:cNvPr>
-          <p:cNvPicPr>
-            <a:picLocks noChangeAspect="1"/>
-          </p:cNvPicPr>
-          <p:nvPr userDrawn="1"/>
-        </p:nvPicPr>
-        <p:blipFill>
-          <a:blip r:embed="rId15">
-            <a:extLst>
-              <a:ext uri="{28A0092B-C50C-407E-A947-70E740481C1C}">
-                <a14:useLocalDpi xmlns:a14="http://schemas.microsoft.com/office/drawing/2010/main" val="0"/>
-              </a:ext>
-            </a:extLst>
-          </a:blip>
-          <a:stretch>
-            <a:fillRect/>
-          </a:stretch>
-        </p:blipFill>
-        <p:spPr>
-          <a:xfrm>
-            <a:off x="10715325" y="1147877"/>
-            <a:ext cx="1266793" cy="300691"/>
-          </a:xfrm>
-          <a:prstGeom prst="rect">
-            <a:avLst/>
-          </a:prstGeom>
-        </p:spPr>
-      </p:pic>
-      <p:pic>
-        <p:nvPicPr>
-          <p:cNvPr id="11" name="Image 10" descr="Une image contenant capture d’écran, ligne, Graphique, Bleu électrique&#10;&#10;Description générée automatiquement">
-            <a:extLst>
-              <a:ext uri="{FF2B5EF4-FFF2-40B4-BE49-F238E27FC236}">
-                <a16:creationId xmlns:a16="http://schemas.microsoft.com/office/drawing/2014/main" id="{8F580B04-0A71-F403-17DA-BF3F734827E2}"/>
-              </a:ext>
-            </a:extLst>
-          </p:cNvPr>
-          <p:cNvPicPr>
-            <a:picLocks noChangeAspect="1"/>
-          </p:cNvPicPr>
-          <p:nvPr userDrawn="1"/>
-        </p:nvPicPr>
-        <p:blipFill>
-          <a:blip r:embed="rId16">
-            <a:extLst>
-              <a:ext uri="{28A0092B-C50C-407E-A947-70E740481C1C}">
-                <a14:useLocalDpi xmlns:a14="http://schemas.microsoft.com/office/drawing/2010/main" val="0"/>
-              </a:ext>
-            </a:extLst>
-          </a:blip>
-          <a:stretch>
-            <a:fillRect/>
-          </a:stretch>
-        </p:blipFill>
-        <p:spPr>
-          <a:xfrm>
-            <a:off x="9235592" y="6402688"/>
-            <a:ext cx="342783" cy="350754"/>
           </a:xfrm>
           <a:prstGeom prst="rect">
             <a:avLst/>
@@ -5361,31 +5331,7 @@
                 <a:ea typeface="+mj-lt"/>
                 <a:cs typeface="+mj-lt"/>
               </a:rPr>
-              <a:t>PowerShell </a:t>
-            </a:r>
-            <a:r>
-              <a:rPr lang="en-US" sz="6000" dirty="0" err="1">
-                <a:solidFill>
-                  <a:srgbClr val="346296"/>
-                </a:solidFill>
-                <a:ea typeface="+mj-lt"/>
-                <a:cs typeface="+mj-lt"/>
-              </a:rPr>
-              <a:t>RotaMaster</a:t>
-            </a:r>
-            <a:endParaRPr lang="en-US" dirty="0" err="1"/>
-          </a:p>
-          <a:p>
-            <a:pPr algn="ctr"/>
-            <a:r>
-              <a:rPr lang="en-US" sz="3200" dirty="0">
-                <a:solidFill>
-                  <a:srgbClr val="346296"/>
-                </a:solidFill>
-                <a:ea typeface="+mj-lt"/>
-                <a:cs typeface="+mj-lt"/>
-              </a:rPr>
-              <a:t>Absence and duty scheduling program for teams</a:t>
+              <a:t>Next up:</a:t>
             </a:r>
             <a:endParaRPr lang="en-US" sz="3200" dirty="0"/>
           </a:p>
@@ -5405,6 +5351,125 @@
 </file>
 
 <file path=ppt/slides/slide10.xml><?xml version="1.0" encoding="utf-8"?>
+<p:sld xmlns:a="http://schemas.openxmlformats.org/drawingml/2006/main" xmlns:r="http://schemas.openxmlformats.org/officeDocument/2006/relationships" xmlns:p="http://schemas.openxmlformats.org/presentationml/2006/main">
+  <p:cSld>
+    <p:spTree>
+      <p:nvGrpSpPr>
+        <p:cNvPr id="1" name=""/>
+        <p:cNvGrpSpPr/>
+        <p:nvPr/>
+      </p:nvGrpSpPr>
+      <p:grpSpPr>
+        <a:xfrm>
+          <a:off x="0" y="0"/>
+          <a:ext cx="0" cy="0"/>
+          <a:chOff x="0" y="0"/>
+          <a:chExt cx="0" cy="0"/>
+        </a:xfrm>
+      </p:grpSpPr>
+      <p:sp>
+        <p:nvSpPr>
+          <p:cNvPr id="2" name="Title 1">
+            <a:extLst>
+              <a:ext uri="{FF2B5EF4-FFF2-40B4-BE49-F238E27FC236}">
+                <a16:creationId xmlns:a16="http://schemas.microsoft.com/office/drawing/2014/main" id="{08B58175-61E6-1209-825C-909EA21547F3}"/>
+              </a:ext>
+            </a:extLst>
+          </p:cNvPr>
+          <p:cNvSpPr>
+            <a:spLocks noGrp="1"/>
+          </p:cNvSpPr>
+          <p:nvPr>
+            <p:ph type="title"/>
+          </p:nvPr>
+        </p:nvSpPr>
+        <p:spPr/>
+        <p:txBody>
+          <a:bodyPr/>
+          <a:lstStyle/>
+          <a:p>
+            <a:r>
+              <a:rPr lang="en-US" dirty="0">
+                <a:ea typeface="+mj-lt"/>
+                <a:cs typeface="+mj-lt"/>
+              </a:rPr>
+              <a:t>Why I need the </a:t>
+            </a:r>
+            <a:r>
+              <a:rPr lang="en-US" dirty="0" err="1">
+                <a:ea typeface="+mj-lt"/>
+                <a:cs typeface="+mj-lt"/>
+              </a:rPr>
+              <a:t>RotaMaster</a:t>
+            </a:r>
+            <a:r>
+              <a:rPr lang="en-US" dirty="0">
+                <a:ea typeface="+mj-lt"/>
+                <a:cs typeface="+mj-lt"/>
+              </a:rPr>
+              <a:t>?</a:t>
+            </a:r>
+            <a:endParaRPr lang="en-US" dirty="0"/>
+          </a:p>
+        </p:txBody>
+      </p:sp>
+      <p:sp>
+        <p:nvSpPr>
+          <p:cNvPr id="3" name="Content Placeholder 2">
+            <a:extLst>
+              <a:ext uri="{FF2B5EF4-FFF2-40B4-BE49-F238E27FC236}">
+                <a16:creationId xmlns:a16="http://schemas.microsoft.com/office/drawing/2014/main" id="{011E2DCF-682F-3D80-51CE-9656D78B4750}"/>
+              </a:ext>
+            </a:extLst>
+          </p:cNvPr>
+          <p:cNvSpPr>
+            <a:spLocks noGrp="1"/>
+          </p:cNvSpPr>
+          <p:nvPr>
+            <p:ph idx="1"/>
+          </p:nvPr>
+        </p:nvSpPr>
+        <p:spPr/>
+        <p:txBody>
+          <a:bodyPr vert="horz" lIns="91440" tIns="45720" rIns="91440" bIns="45720" rtlCol="0" anchor="t">
+            <a:normAutofit/>
+          </a:bodyPr>
+          <a:lstStyle/>
+          <a:p>
+            <a:r>
+              <a:rPr lang="en-US" sz="3200" dirty="0">
+                <a:ea typeface="+mn-lt"/>
+                <a:cs typeface="+mn-lt"/>
+              </a:rPr>
+              <a:t>And if you would have the absences and on-call schedules in your Outlook, do the same thing again, in another program, and again, and again, and again, …</a:t>
+            </a:r>
+            <a:endParaRPr lang="en-US" sz="3200" dirty="0">
+              <a:ea typeface="Calibri"/>
+              <a:cs typeface="Calibri"/>
+            </a:endParaRPr>
+          </a:p>
+          <a:p>
+            <a:endParaRPr lang="en-US" sz="3200" dirty="0">
+              <a:ea typeface="Calibri"/>
+              <a:cs typeface="Calibri"/>
+            </a:endParaRPr>
+          </a:p>
+        </p:txBody>
+      </p:sp>
+    </p:spTree>
+    <p:extLst>
+      <p:ext uri="{BB962C8B-B14F-4D97-AF65-F5344CB8AC3E}">
+        <p14:creationId xmlns:p14="http://schemas.microsoft.com/office/powerpoint/2010/main" val="2384560619"/>
+      </p:ext>
+    </p:extLst>
+  </p:cSld>
+  <p:clrMapOvr>
+    <a:masterClrMapping/>
+  </p:clrMapOvr>
+</p:sld>
+</file>
+
+<file path=ppt/slides/slide11.xml><?xml version="1.0" encoding="utf-8"?>
 <p:sld xmlns:a="http://schemas.openxmlformats.org/drawingml/2006/main" xmlns:r="http://schemas.openxmlformats.org/officeDocument/2006/relationships" xmlns:p="http://schemas.openxmlformats.org/presentationml/2006/main">
   <p:cSld>
     <p:spTree>
@@ -5566,7 +5631,278 @@
 </p:sld>
 </file>
 
-<file path=ppt/slides/slide11.xml><?xml version="1.0" encoding="utf-8"?>
+<file path=ppt/slides/slide12.xml><?xml version="1.0" encoding="utf-8"?>
+<p:sld xmlns:a="http://schemas.openxmlformats.org/drawingml/2006/main" xmlns:r="http://schemas.openxmlformats.org/officeDocument/2006/relationships" xmlns:p="http://schemas.openxmlformats.org/presentationml/2006/main">
+  <p:cSld>
+    <p:spTree>
+      <p:nvGrpSpPr>
+        <p:cNvPr id="1" name=""/>
+        <p:cNvGrpSpPr/>
+        <p:nvPr/>
+      </p:nvGrpSpPr>
+      <p:grpSpPr>
+        <a:xfrm>
+          <a:off x="0" y="0"/>
+          <a:ext cx="0" cy="0"/>
+          <a:chOff x="0" y="0"/>
+          <a:chExt cx="0" cy="0"/>
+        </a:xfrm>
+      </p:grpSpPr>
+      <p:sp>
+        <p:nvSpPr>
+          <p:cNvPr id="2" name="Titel 1">
+            <a:extLst>
+              <a:ext uri="{FF2B5EF4-FFF2-40B4-BE49-F238E27FC236}">
+                <a16:creationId xmlns:a16="http://schemas.microsoft.com/office/drawing/2014/main" id="{5B07BC33-1A75-20B7-59C8-958C12ECC411}"/>
+              </a:ext>
+            </a:extLst>
+          </p:cNvPr>
+          <p:cNvSpPr>
+            <a:spLocks noGrp="1"/>
+          </p:cNvSpPr>
+          <p:nvPr>
+            <p:ph type="title"/>
+          </p:nvPr>
+        </p:nvSpPr>
+        <p:spPr/>
+        <p:txBody>
+          <a:bodyPr/>
+          <a:lstStyle/>
+          <a:p>
+            <a:r>
+              <a:rPr lang="de-CH" dirty="0"/>
+              <a:t>Key Features</a:t>
+            </a:r>
+          </a:p>
+        </p:txBody>
+      </p:sp>
+      <p:sp>
+        <p:nvSpPr>
+          <p:cNvPr id="3" name="Inhaltsplatzhalter 2">
+            <a:extLst>
+              <a:ext uri="{FF2B5EF4-FFF2-40B4-BE49-F238E27FC236}">
+                <a16:creationId xmlns:a16="http://schemas.microsoft.com/office/drawing/2014/main" id="{CEB3B761-63AF-554C-CEBC-4D3293C8B605}"/>
+              </a:ext>
+            </a:extLst>
+          </p:cNvPr>
+          <p:cNvSpPr>
+            <a:spLocks noGrp="1"/>
+          </p:cNvSpPr>
+          <p:nvPr>
+            <p:ph sz="half" idx="1"/>
+          </p:nvPr>
+        </p:nvSpPr>
+        <p:spPr/>
+        <p:txBody>
+          <a:bodyPr>
+            <a:normAutofit/>
+          </a:bodyPr>
+          <a:lstStyle/>
+          <a:p>
+            <a:r>
+              <a:rPr lang="de-CH" sz="3200" dirty="0" err="1"/>
+              <a:t>Planning</a:t>
+            </a:r>
+            <a:r>
+              <a:rPr lang="de-CH" sz="3200" dirty="0"/>
+              <a:t> </a:t>
+            </a:r>
+            <a:r>
+              <a:rPr lang="de-CH" sz="3200" dirty="0" err="1"/>
+              <a:t>of</a:t>
+            </a:r>
+            <a:r>
+              <a:rPr lang="de-CH" sz="3200" dirty="0"/>
+              <a:t> </a:t>
+            </a:r>
+            <a:r>
+              <a:rPr lang="de-CH" sz="3200" dirty="0" err="1"/>
+              <a:t>absences</a:t>
+            </a:r>
+            <a:endParaRPr lang="de-CH" sz="3200" dirty="0"/>
+          </a:p>
+          <a:p>
+            <a:r>
+              <a:rPr lang="de-CH" sz="3200" dirty="0" err="1"/>
+              <a:t>Planning</a:t>
+            </a:r>
+            <a:r>
+              <a:rPr lang="de-CH" sz="3200" dirty="0"/>
+              <a:t> </a:t>
+            </a:r>
+            <a:r>
+              <a:rPr lang="de-CH" sz="3200" dirty="0" err="1"/>
+              <a:t>of</a:t>
+            </a:r>
+            <a:r>
+              <a:rPr lang="de-CH" sz="3200" dirty="0"/>
+              <a:t> on-</a:t>
+            </a:r>
+            <a:r>
+              <a:rPr lang="de-CH" sz="3200" dirty="0" err="1"/>
+              <a:t>call</a:t>
+            </a:r>
+            <a:r>
+              <a:rPr lang="de-CH" sz="3200" dirty="0"/>
+              <a:t> </a:t>
+            </a:r>
+            <a:r>
+              <a:rPr lang="de-CH" sz="3200" dirty="0" err="1"/>
+              <a:t>duty</a:t>
+            </a:r>
+            <a:endParaRPr lang="de-CH" sz="3200" dirty="0"/>
+          </a:p>
+          <a:p>
+            <a:r>
+              <a:rPr lang="de-CH" sz="3200" dirty="0" err="1"/>
+              <a:t>Planning</a:t>
+            </a:r>
+            <a:r>
+              <a:rPr lang="de-CH" sz="3200" dirty="0"/>
+              <a:t> off on-</a:t>
+            </a:r>
+            <a:r>
+              <a:rPr lang="de-CH" sz="3200" dirty="0" err="1"/>
+              <a:t>call</a:t>
+            </a:r>
+            <a:r>
+              <a:rPr lang="de-CH" sz="3200" dirty="0"/>
+              <a:t> </a:t>
+            </a:r>
+            <a:r>
+              <a:rPr lang="de-CH" sz="3200" dirty="0" err="1"/>
+              <a:t>peer</a:t>
+            </a:r>
+            <a:endParaRPr lang="de-CH" sz="3200" dirty="0"/>
+          </a:p>
+          <a:p>
+            <a:r>
+              <a:rPr lang="de-CH" sz="3200" dirty="0"/>
+              <a:t>Export </a:t>
+            </a:r>
+            <a:r>
+              <a:rPr lang="de-CH" sz="3200" dirty="0" err="1"/>
+              <a:t>as</a:t>
+            </a:r>
+            <a:r>
+              <a:rPr lang="de-CH" sz="3200" dirty="0"/>
+              <a:t> iCalendar-file</a:t>
+            </a:r>
+          </a:p>
+          <a:p>
+            <a:r>
+              <a:rPr lang="de-CH" sz="3200" dirty="0" err="1"/>
+              <a:t>OpsGenie</a:t>
+            </a:r>
+            <a:r>
+              <a:rPr lang="de-CH" sz="3200" dirty="0"/>
+              <a:t> Integration</a:t>
+            </a:r>
+          </a:p>
+          <a:p>
+            <a:r>
+              <a:rPr lang="de-CH" sz="3200" dirty="0"/>
+              <a:t>Import </a:t>
+            </a:r>
+            <a:r>
+              <a:rPr lang="de-CH" sz="3200" dirty="0" err="1"/>
+              <a:t>of</a:t>
+            </a:r>
+            <a:r>
+              <a:rPr lang="de-CH" sz="3200" dirty="0"/>
+              <a:t> iCalendar and CSV-files</a:t>
+            </a:r>
+          </a:p>
+          <a:p>
+            <a:endParaRPr lang="de-CH" sz="3200" dirty="0"/>
+          </a:p>
+        </p:txBody>
+      </p:sp>
+      <p:sp>
+        <p:nvSpPr>
+          <p:cNvPr id="4" name="Inhaltsplatzhalter 3">
+            <a:extLst>
+              <a:ext uri="{FF2B5EF4-FFF2-40B4-BE49-F238E27FC236}">
+                <a16:creationId xmlns:a16="http://schemas.microsoft.com/office/drawing/2014/main" id="{4C6C2EFF-278E-C300-0743-CC0B65A81FA2}"/>
+              </a:ext>
+            </a:extLst>
+          </p:cNvPr>
+          <p:cNvSpPr>
+            <a:spLocks noGrp="1"/>
+          </p:cNvSpPr>
+          <p:nvPr>
+            <p:ph sz="half" idx="2"/>
+          </p:nvPr>
+        </p:nvSpPr>
+        <p:spPr/>
+        <p:txBody>
+          <a:bodyPr>
+            <a:normAutofit/>
+          </a:bodyPr>
+          <a:lstStyle/>
+          <a:p>
+            <a:r>
+              <a:rPr lang="de-CH" sz="3200" dirty="0"/>
+              <a:t>Manage </a:t>
+            </a:r>
+            <a:r>
+              <a:rPr lang="de-CH" sz="3200" dirty="0" err="1"/>
+              <a:t>absence</a:t>
+            </a:r>
+            <a:r>
+              <a:rPr lang="de-CH" sz="3200" dirty="0"/>
+              <a:t> </a:t>
+            </a:r>
+            <a:r>
+              <a:rPr lang="de-CH" sz="3200" dirty="0" err="1"/>
+              <a:t>types</a:t>
+            </a:r>
+            <a:endParaRPr lang="de-CH" sz="3200" dirty="0"/>
+          </a:p>
+          <a:p>
+            <a:r>
+              <a:rPr lang="de-CH" sz="3200" dirty="0"/>
+              <a:t>Manage </a:t>
+            </a:r>
+            <a:r>
+              <a:rPr lang="de-CH" sz="3200" dirty="0" err="1"/>
+              <a:t>users</a:t>
+            </a:r>
+            <a:endParaRPr lang="de-CH" sz="3200" dirty="0"/>
+          </a:p>
+          <a:p>
+            <a:r>
+              <a:rPr lang="de-CH" sz="3200" dirty="0"/>
+              <a:t>Public Holidays </a:t>
+            </a:r>
+            <a:r>
+              <a:rPr lang="de-CH" sz="3200" dirty="0" err="1"/>
+              <a:t>for</a:t>
+            </a:r>
+            <a:r>
+              <a:rPr lang="de-CH" sz="3200" dirty="0"/>
+              <a:t> CH (BE, ZH, GR, SG)</a:t>
+            </a:r>
+          </a:p>
+          <a:p>
+            <a:endParaRPr lang="de-CH" sz="3200" dirty="0"/>
+          </a:p>
+        </p:txBody>
+      </p:sp>
+    </p:spTree>
+    <p:extLst>
+      <p:ext uri="{BB962C8B-B14F-4D97-AF65-F5344CB8AC3E}">
+        <p14:creationId xmlns:p14="http://schemas.microsoft.com/office/powerpoint/2010/main" val="3607896271"/>
+      </p:ext>
+    </p:extLst>
+  </p:cSld>
+  <p:clrMapOvr>
+    <a:masterClrMapping/>
+  </p:clrMapOvr>
+</p:sld>
+</file>
+
+<file path=ppt/slides/slide13.xml><?xml version="1.0" encoding="utf-8"?>
 <p:sld xmlns:a="http://schemas.openxmlformats.org/drawingml/2006/main" xmlns:r="http://schemas.openxmlformats.org/officeDocument/2006/relationships" xmlns:p="http://schemas.openxmlformats.org/presentationml/2006/main">
   <p:cSld>
     <p:spTree>
@@ -5675,7 +6011,7 @@
 </p:sld>
 </file>
 
-<file path=ppt/slides/slide12.xml><?xml version="1.0" encoding="utf-8"?>
+<file path=ppt/slides/slide14.xml><?xml version="1.0" encoding="utf-8"?>
 <p:sld xmlns:a="http://schemas.openxmlformats.org/drawingml/2006/main" xmlns:r="http://schemas.openxmlformats.org/officeDocument/2006/relationships" xmlns:p="http://schemas.openxmlformats.org/presentationml/2006/main">
   <p:cSld>
     <p:spTree>
@@ -5774,13 +6110,13 @@
           </a:p>
           <a:p>
             <a:r>
-              <a:rPr lang="en-US" sz="3200">
+              <a:rPr lang="en-US" sz="3200" dirty="0">
                 <a:ea typeface="+mn-lt"/>
                 <a:cs typeface="+mn-lt"/>
               </a:rPr>
               <a:t>Write JavaScript with help from ChatGPT</a:t>
             </a:r>
-            <a:endParaRPr lang="en-US" sz="3200">
+            <a:endParaRPr lang="en-US" sz="3200" dirty="0">
               <a:ea typeface="Calibri"/>
               <a:cs typeface="Calibri"/>
             </a:endParaRPr>
@@ -5800,13 +6136,20 @@
           </a:p>
           <a:p>
             <a:r>
-              <a:rPr lang="en-US" sz="3200">
+              <a:rPr lang="en-US" sz="3200" dirty="0">
                 <a:ea typeface="+mn-lt"/>
                 <a:cs typeface="+mn-lt"/>
               </a:rPr>
-              <a:t>How easy is the Active Directory Integration in Pode</a:t>
-            </a:r>
-            <a:endParaRPr lang="en-US" sz="3200">
+              <a:t>How easy is the Active Directory Integration in </a:t>
+            </a:r>
+            <a:r>
+              <a:rPr lang="en-US" sz="3200" dirty="0" err="1">
+                <a:ea typeface="+mn-lt"/>
+                <a:cs typeface="+mn-lt"/>
+              </a:rPr>
+              <a:t>Pode</a:t>
+            </a:r>
+            <a:endParaRPr lang="en-US" sz="3200" dirty="0">
               <a:ea typeface="Calibri"/>
               <a:cs typeface="Calibri"/>
             </a:endParaRPr>
@@ -5820,7 +6163,7 @@
               <a:t>How easy is the Integration of </a:t>
             </a:r>
             <a:r>
-              <a:rPr lang="en-US" sz="3200" err="1">
+              <a:rPr lang="en-US" sz="3200" dirty="0" err="1">
                 <a:ea typeface="+mn-lt"/>
                 <a:cs typeface="+mn-lt"/>
               </a:rPr>
@@ -5846,7 +6189,7 @@
               </a:rPr>
               <a:t>I forgot a good Database design, so I have to alter some tables more than once</a:t>
             </a:r>
-            <a:endParaRPr lang="en-US" sz="3200">
+            <a:endParaRPr lang="en-US" sz="3200" dirty="0">
               <a:ea typeface="Calibri"/>
               <a:cs typeface="Calibri"/>
             </a:endParaRPr>
@@ -5866,7 +6209,286 @@
 </p:sld>
 </file>
 
-<file path=ppt/slides/slide13.xml><?xml version="1.0" encoding="utf-8"?>
+<file path=ppt/slides/slide15.xml><?xml version="1.0" encoding="utf-8"?>
+<p:sld xmlns:a="http://schemas.openxmlformats.org/drawingml/2006/main" xmlns:r="http://schemas.openxmlformats.org/officeDocument/2006/relationships" xmlns:p="http://schemas.openxmlformats.org/presentationml/2006/main">
+  <p:cSld>
+    <p:spTree>
+      <p:nvGrpSpPr>
+        <p:cNvPr id="1" name=""/>
+        <p:cNvGrpSpPr/>
+        <p:nvPr/>
+      </p:nvGrpSpPr>
+      <p:grpSpPr>
+        <a:xfrm>
+          <a:off x="0" y="0"/>
+          <a:ext cx="0" cy="0"/>
+          <a:chOff x="0" y="0"/>
+          <a:chExt cx="0" cy="0"/>
+        </a:xfrm>
+      </p:grpSpPr>
+      <p:sp>
+        <p:nvSpPr>
+          <p:cNvPr id="2" name="Titel 1">
+            <a:extLst>
+              <a:ext uri="{FF2B5EF4-FFF2-40B4-BE49-F238E27FC236}">
+                <a16:creationId xmlns:a16="http://schemas.microsoft.com/office/drawing/2014/main" id="{23AB7298-D0D3-F419-940E-2B02C7E899AA}"/>
+              </a:ext>
+            </a:extLst>
+          </p:cNvPr>
+          <p:cNvSpPr>
+            <a:spLocks noGrp="1"/>
+          </p:cNvSpPr>
+          <p:nvPr>
+            <p:ph type="title"/>
+          </p:nvPr>
+        </p:nvSpPr>
+        <p:spPr/>
+        <p:txBody>
+          <a:bodyPr/>
+          <a:lstStyle/>
+          <a:p>
+            <a:r>
+              <a:rPr lang="de-CH" dirty="0"/>
+              <a:t>The </a:t>
+            </a:r>
+            <a:r>
+              <a:rPr lang="de-CH" dirty="0" err="1"/>
+              <a:t>future</a:t>
+            </a:r>
+            <a:endParaRPr lang="de-CH" dirty="0"/>
+          </a:p>
+        </p:txBody>
+      </p:sp>
+      <p:sp>
+        <p:nvSpPr>
+          <p:cNvPr id="3" name="Inhaltsplatzhalter 2">
+            <a:extLst>
+              <a:ext uri="{FF2B5EF4-FFF2-40B4-BE49-F238E27FC236}">
+                <a16:creationId xmlns:a16="http://schemas.microsoft.com/office/drawing/2014/main" id="{48E65153-9587-6C3C-E8B9-C5677D6F4ABD}"/>
+              </a:ext>
+            </a:extLst>
+          </p:cNvPr>
+          <p:cNvSpPr>
+            <a:spLocks noGrp="1"/>
+          </p:cNvSpPr>
+          <p:nvPr>
+            <p:ph idx="1"/>
+          </p:nvPr>
+        </p:nvSpPr>
+        <p:spPr/>
+        <p:txBody>
+          <a:bodyPr>
+            <a:normAutofit/>
+          </a:bodyPr>
+          <a:lstStyle/>
+          <a:p>
+            <a:r>
+              <a:rPr lang="de-CH" sz="3200" dirty="0" err="1"/>
+              <a:t>Enable</a:t>
+            </a:r>
+            <a:r>
+              <a:rPr lang="de-CH" sz="3200" dirty="0"/>
+              <a:t> </a:t>
+            </a:r>
+            <a:r>
+              <a:rPr lang="de-CH" sz="3200" dirty="0" err="1"/>
+              <a:t>automatic</a:t>
+            </a:r>
+            <a:r>
+              <a:rPr lang="de-CH" sz="3200" dirty="0"/>
+              <a:t> </a:t>
+            </a:r>
+            <a:r>
+              <a:rPr lang="de-CH" sz="3200" dirty="0" err="1"/>
+              <a:t>rotation</a:t>
+            </a:r>
+            <a:r>
+              <a:rPr lang="de-CH" sz="3200" dirty="0"/>
+              <a:t> </a:t>
+            </a:r>
+            <a:r>
+              <a:rPr lang="de-CH" sz="3200" dirty="0" err="1"/>
+              <a:t>planning</a:t>
+            </a:r>
+            <a:r>
+              <a:rPr lang="de-CH" sz="3200" dirty="0"/>
+              <a:t> in </a:t>
+            </a:r>
+            <a:r>
+              <a:rPr lang="de-CH" sz="3200" dirty="0" err="1"/>
+              <a:t>the</a:t>
+            </a:r>
+            <a:r>
+              <a:rPr lang="de-CH" sz="3200" dirty="0"/>
+              <a:t> front-end</a:t>
+            </a:r>
+          </a:p>
+          <a:p>
+            <a:r>
+              <a:rPr lang="de-CH" sz="3200" dirty="0" err="1"/>
+              <a:t>Logic</a:t>
+            </a:r>
+            <a:r>
+              <a:rPr lang="de-CH" sz="3200" dirty="0"/>
+              <a:t> </a:t>
+            </a:r>
+            <a:r>
+              <a:rPr lang="de-CH" sz="3200" dirty="0" err="1"/>
+              <a:t>for</a:t>
+            </a:r>
+            <a:r>
+              <a:rPr lang="de-CH" sz="3200" dirty="0"/>
+              <a:t> legal break </a:t>
+            </a:r>
+            <a:r>
+              <a:rPr lang="de-CH" sz="3200" dirty="0" err="1"/>
+              <a:t>between</a:t>
+            </a:r>
+            <a:r>
+              <a:rPr lang="de-CH" sz="3200" dirty="0"/>
+              <a:t> </a:t>
+            </a:r>
+            <a:r>
+              <a:rPr lang="de-CH" sz="3200" dirty="0" err="1"/>
+              <a:t>rotations</a:t>
+            </a:r>
+            <a:r>
+              <a:rPr lang="de-CH" sz="3200" dirty="0"/>
+              <a:t> </a:t>
+            </a:r>
+            <a:r>
+              <a:rPr lang="de-CH" sz="3200" dirty="0" err="1"/>
+              <a:t>during</a:t>
+            </a:r>
+            <a:r>
+              <a:rPr lang="de-CH" sz="3200" dirty="0"/>
+              <a:t> on-</a:t>
+            </a:r>
+            <a:r>
+              <a:rPr lang="de-CH" sz="3200" dirty="0" err="1"/>
+              <a:t>call</a:t>
+            </a:r>
+            <a:r>
+              <a:rPr lang="de-CH" sz="3200" dirty="0"/>
+              <a:t> </a:t>
+            </a:r>
+            <a:r>
+              <a:rPr lang="de-CH" sz="3200" dirty="0" err="1"/>
+              <a:t>duty</a:t>
+            </a:r>
+            <a:endParaRPr lang="de-CH" sz="3200" dirty="0"/>
+          </a:p>
+          <a:p>
+            <a:r>
+              <a:rPr lang="de-CH" sz="3200" dirty="0" err="1"/>
+              <a:t>Logic</a:t>
+            </a:r>
+            <a:r>
+              <a:rPr lang="de-CH" sz="3200" dirty="0"/>
+              <a:t> </a:t>
+            </a:r>
+            <a:r>
+              <a:rPr lang="de-CH" sz="3200" dirty="0" err="1"/>
+              <a:t>for</a:t>
+            </a:r>
+            <a:r>
+              <a:rPr lang="de-CH" sz="3200" dirty="0"/>
+              <a:t> </a:t>
+            </a:r>
+            <a:r>
+              <a:rPr lang="de-CH" sz="3200" dirty="0" err="1"/>
+              <a:t>the</a:t>
+            </a:r>
+            <a:r>
+              <a:rPr lang="de-CH" sz="3200" dirty="0"/>
+              <a:t> minimal </a:t>
+            </a:r>
+            <a:r>
+              <a:rPr lang="de-CH" sz="3200" dirty="0" err="1"/>
+              <a:t>staffing</a:t>
+            </a:r>
+            <a:r>
+              <a:rPr lang="de-CH" sz="3200" dirty="0"/>
+              <a:t> </a:t>
+            </a:r>
+            <a:r>
+              <a:rPr lang="de-CH" sz="3200" dirty="0" err="1"/>
+              <a:t>of</a:t>
+            </a:r>
+            <a:r>
+              <a:rPr lang="de-CH" sz="3200" dirty="0"/>
+              <a:t> </a:t>
+            </a:r>
+            <a:r>
+              <a:rPr lang="de-CH" sz="3200" dirty="0" err="1"/>
+              <a:t>the</a:t>
+            </a:r>
+            <a:r>
+              <a:rPr lang="de-CH" sz="3200" dirty="0"/>
+              <a:t> </a:t>
+            </a:r>
+            <a:r>
+              <a:rPr lang="de-CH" sz="3200" dirty="0" err="1"/>
+              <a:t>team</a:t>
+            </a:r>
+            <a:endParaRPr lang="de-CH" sz="3200" dirty="0"/>
+          </a:p>
+          <a:p>
+            <a:r>
+              <a:rPr lang="de-CH" sz="3200" dirty="0" err="1"/>
+              <a:t>Optimise</a:t>
+            </a:r>
+            <a:r>
+              <a:rPr lang="de-CH" sz="3200" dirty="0"/>
+              <a:t> </a:t>
+            </a:r>
+            <a:r>
+              <a:rPr lang="de-CH" sz="3200" dirty="0" err="1"/>
+              <a:t>database</a:t>
+            </a:r>
+            <a:r>
+              <a:rPr lang="de-CH" sz="3200" dirty="0"/>
+              <a:t> design</a:t>
+            </a:r>
+          </a:p>
+          <a:p>
+            <a:r>
+              <a:rPr lang="de-CH" sz="3200" dirty="0"/>
+              <a:t>And </a:t>
+            </a:r>
+            <a:r>
+              <a:rPr lang="de-CH" sz="3200" dirty="0" err="1"/>
+              <a:t>much</a:t>
+            </a:r>
+            <a:r>
+              <a:rPr lang="de-CH" sz="3200" dirty="0"/>
+              <a:t> </a:t>
+            </a:r>
+            <a:r>
+              <a:rPr lang="de-CH" sz="3200" dirty="0" err="1"/>
+              <a:t>more</a:t>
+            </a:r>
+            <a:endParaRPr lang="de-CH" sz="3200" dirty="0"/>
+          </a:p>
+          <a:p>
+            <a:endParaRPr lang="de-CH" sz="3200" dirty="0"/>
+          </a:p>
+        </p:txBody>
+      </p:sp>
+    </p:spTree>
+    <p:extLst>
+      <p:ext uri="{BB962C8B-B14F-4D97-AF65-F5344CB8AC3E}">
+        <p14:creationId xmlns:p14="http://schemas.microsoft.com/office/powerpoint/2010/main" val="3561535238"/>
+      </p:ext>
+    </p:extLst>
+  </p:cSld>
+  <p:clrMapOvr>
+    <a:masterClrMapping/>
+  </p:clrMapOvr>
+</p:sld>
+</file>
+
+<file path=ppt/slides/slide16.xml><?xml version="1.0" encoding="utf-8"?>
 <p:sld xmlns:a="http://schemas.openxmlformats.org/drawingml/2006/main" xmlns:r="http://schemas.openxmlformats.org/officeDocument/2006/relationships" xmlns:p="http://schemas.openxmlformats.org/presentationml/2006/main">
   <p:cSld>
     <p:spTree>
@@ -5998,7 +6620,7 @@
 </p:sld>
 </file>
 
-<file path=ppt/slides/slide14.xml><?xml version="1.0" encoding="utf-8"?>
+<file path=ppt/slides/slide17.xml><?xml version="1.0" encoding="utf-8"?>
 <p:sld xmlns:a="http://schemas.openxmlformats.org/drawingml/2006/main" xmlns:r="http://schemas.openxmlformats.org/officeDocument/2006/relationships" xmlns:p="http://schemas.openxmlformats.org/presentationml/2006/main">
   <p:cSld>
     <p:spTree>
@@ -6634,6 +7256,353 @@
   <p:cSld>
     <p:spTree>
       <p:nvGrpSpPr>
+        <p:cNvPr id="1" name="">
+          <a:extLst>
+            <a:ext uri="{FF2B5EF4-FFF2-40B4-BE49-F238E27FC236}">
+              <a16:creationId xmlns:a16="http://schemas.microsoft.com/office/drawing/2014/main" id="{027ADE1C-7AE8-C26F-AA9C-93C9939182FF}"/>
+            </a:ext>
+          </a:extLst>
+        </p:cNvPr>
+        <p:cNvGrpSpPr/>
+        <p:nvPr/>
+      </p:nvGrpSpPr>
+      <p:grpSpPr>
+        <a:xfrm>
+          <a:off x="0" y="0"/>
+          <a:ext cx="0" cy="0"/>
+          <a:chOff x="0" y="0"/>
+          <a:chExt cx="0" cy="0"/>
+        </a:xfrm>
+      </p:grpSpPr>
+      <p:sp>
+        <p:nvSpPr>
+          <p:cNvPr id="3" name="Sous-titre 2">
+            <a:extLst>
+              <a:ext uri="{FF2B5EF4-FFF2-40B4-BE49-F238E27FC236}">
+                <a16:creationId xmlns:a16="http://schemas.microsoft.com/office/drawing/2014/main" id="{0A65F42C-AFD8-8689-AF1F-115B7983BC63}"/>
+              </a:ext>
+            </a:extLst>
+          </p:cNvPr>
+          <p:cNvSpPr txBox="1">
+            <a:spLocks/>
+          </p:cNvSpPr>
+          <p:nvPr/>
+        </p:nvSpPr>
+        <p:spPr>
+          <a:xfrm>
+            <a:off x="1524000" y="4271395"/>
+            <a:ext cx="9144000" cy="631759"/>
+          </a:xfrm>
+          <a:prstGeom prst="rect">
+            <a:avLst/>
+          </a:prstGeom>
+        </p:spPr>
+        <p:txBody>
+          <a:bodyPr lIns="91440" tIns="45720" rIns="91440" bIns="45720" anchor="t">
+            <a:normAutofit fontScale="92500" lnSpcReduction="10000"/>
+          </a:bodyPr>
+          <a:lstStyle>
+            <a:lvl1pPr marL="0" indent="0" algn="ctr" defTabSz="914400" rtl="0" eaLnBrk="1" latinLnBrk="0" hangingPunct="1">
+              <a:lnSpc>
+                <a:spcPct val="90000"/>
+              </a:lnSpc>
+              <a:spcBef>
+                <a:spcPts val="1000"/>
+              </a:spcBef>
+              <a:buFont typeface="Arial" panose="020B0604020202020204" pitchFamily="34" charset="0"/>
+              <a:buNone/>
+              <a:defRPr sz="4400" kern="1200">
+                <a:solidFill>
+                  <a:srgbClr val="3B2B46"/>
+                </a:solidFill>
+                <a:latin typeface="+mj-lt"/>
+                <a:ea typeface="+mn-ea"/>
+                <a:cs typeface="+mn-cs"/>
+              </a:defRPr>
+            </a:lvl1pPr>
+            <a:lvl2pPr marL="457200" indent="0" algn="ctr" defTabSz="914400" rtl="0" eaLnBrk="1" latinLnBrk="0" hangingPunct="1">
+              <a:lnSpc>
+                <a:spcPct val="90000"/>
+              </a:lnSpc>
+              <a:spcBef>
+                <a:spcPts val="500"/>
+              </a:spcBef>
+              <a:buFont typeface="Arial" panose="020B0604020202020204" pitchFamily="34" charset="0"/>
+              <a:buNone/>
+              <a:defRPr sz="2000" kern="1200">
+                <a:solidFill>
+                  <a:schemeClr val="tx1"/>
+                </a:solidFill>
+                <a:latin typeface="+mn-lt"/>
+                <a:ea typeface="+mn-ea"/>
+                <a:cs typeface="+mn-cs"/>
+              </a:defRPr>
+            </a:lvl2pPr>
+            <a:lvl3pPr marL="914400" indent="0" algn="ctr" defTabSz="914400" rtl="0" eaLnBrk="1" latinLnBrk="0" hangingPunct="1">
+              <a:lnSpc>
+                <a:spcPct val="90000"/>
+              </a:lnSpc>
+              <a:spcBef>
+                <a:spcPts val="500"/>
+              </a:spcBef>
+              <a:buFont typeface="Arial" panose="020B0604020202020204" pitchFamily="34" charset="0"/>
+              <a:buNone/>
+              <a:defRPr sz="1800" kern="1200">
+                <a:solidFill>
+                  <a:schemeClr val="tx1"/>
+                </a:solidFill>
+                <a:latin typeface="+mn-lt"/>
+                <a:ea typeface="+mn-ea"/>
+                <a:cs typeface="+mn-cs"/>
+              </a:defRPr>
+            </a:lvl3pPr>
+            <a:lvl4pPr marL="1371600" indent="0" algn="ctr" defTabSz="914400" rtl="0" eaLnBrk="1" latinLnBrk="0" hangingPunct="1">
+              <a:lnSpc>
+                <a:spcPct val="90000"/>
+              </a:lnSpc>
+              <a:spcBef>
+                <a:spcPts val="500"/>
+              </a:spcBef>
+              <a:buFont typeface="Arial" panose="020B0604020202020204" pitchFamily="34" charset="0"/>
+              <a:buNone/>
+              <a:defRPr sz="1600" kern="1200">
+                <a:solidFill>
+                  <a:schemeClr val="tx1"/>
+                </a:solidFill>
+                <a:latin typeface="+mn-lt"/>
+                <a:ea typeface="+mn-ea"/>
+                <a:cs typeface="+mn-cs"/>
+              </a:defRPr>
+            </a:lvl4pPr>
+            <a:lvl5pPr marL="1828800" indent="0" algn="ctr" defTabSz="914400" rtl="0" eaLnBrk="1" latinLnBrk="0" hangingPunct="1">
+              <a:lnSpc>
+                <a:spcPct val="90000"/>
+              </a:lnSpc>
+              <a:spcBef>
+                <a:spcPts val="500"/>
+              </a:spcBef>
+              <a:buFont typeface="Arial" panose="020B0604020202020204" pitchFamily="34" charset="0"/>
+              <a:buNone/>
+              <a:defRPr sz="1600" kern="1200">
+                <a:solidFill>
+                  <a:schemeClr val="tx1"/>
+                </a:solidFill>
+                <a:latin typeface="+mn-lt"/>
+                <a:ea typeface="+mn-ea"/>
+                <a:cs typeface="+mn-cs"/>
+              </a:defRPr>
+            </a:lvl5pPr>
+            <a:lvl6pPr marL="2286000" indent="0" algn="ctr" defTabSz="914400" rtl="0" eaLnBrk="1" latinLnBrk="0" hangingPunct="1">
+              <a:lnSpc>
+                <a:spcPct val="90000"/>
+              </a:lnSpc>
+              <a:spcBef>
+                <a:spcPts val="500"/>
+              </a:spcBef>
+              <a:buFont typeface="Arial" panose="020B0604020202020204" pitchFamily="34" charset="0"/>
+              <a:buNone/>
+              <a:defRPr sz="1600" kern="1200">
+                <a:solidFill>
+                  <a:schemeClr val="tx1"/>
+                </a:solidFill>
+                <a:latin typeface="+mn-lt"/>
+                <a:ea typeface="+mn-ea"/>
+                <a:cs typeface="+mn-cs"/>
+              </a:defRPr>
+            </a:lvl6pPr>
+            <a:lvl7pPr marL="2743200" indent="0" algn="ctr" defTabSz="914400" rtl="0" eaLnBrk="1" latinLnBrk="0" hangingPunct="1">
+              <a:lnSpc>
+                <a:spcPct val="90000"/>
+              </a:lnSpc>
+              <a:spcBef>
+                <a:spcPts val="500"/>
+              </a:spcBef>
+              <a:buFont typeface="Arial" panose="020B0604020202020204" pitchFamily="34" charset="0"/>
+              <a:buNone/>
+              <a:defRPr sz="1600" kern="1200">
+                <a:solidFill>
+                  <a:schemeClr val="tx1"/>
+                </a:solidFill>
+                <a:latin typeface="+mn-lt"/>
+                <a:ea typeface="+mn-ea"/>
+                <a:cs typeface="+mn-cs"/>
+              </a:defRPr>
+            </a:lvl7pPr>
+            <a:lvl8pPr marL="3200400" indent="0" algn="ctr" defTabSz="914400" rtl="0" eaLnBrk="1" latinLnBrk="0" hangingPunct="1">
+              <a:lnSpc>
+                <a:spcPct val="90000"/>
+              </a:lnSpc>
+              <a:spcBef>
+                <a:spcPts val="500"/>
+              </a:spcBef>
+              <a:buFont typeface="Arial" panose="020B0604020202020204" pitchFamily="34" charset="0"/>
+              <a:buNone/>
+              <a:defRPr sz="1600" kern="1200">
+                <a:solidFill>
+                  <a:schemeClr val="tx1"/>
+                </a:solidFill>
+                <a:latin typeface="+mn-lt"/>
+                <a:ea typeface="+mn-ea"/>
+                <a:cs typeface="+mn-cs"/>
+              </a:defRPr>
+            </a:lvl8pPr>
+            <a:lvl9pPr marL="3657600" indent="0" algn="ctr" defTabSz="914400" rtl="0" eaLnBrk="1" latinLnBrk="0" hangingPunct="1">
+              <a:lnSpc>
+                <a:spcPct val="90000"/>
+              </a:lnSpc>
+              <a:spcBef>
+                <a:spcPts val="500"/>
+              </a:spcBef>
+              <a:buFont typeface="Arial" panose="020B0604020202020204" pitchFamily="34" charset="0"/>
+              <a:buNone/>
+              <a:defRPr sz="1600" kern="1200">
+                <a:solidFill>
+                  <a:schemeClr val="tx1"/>
+                </a:solidFill>
+                <a:latin typeface="+mn-lt"/>
+                <a:ea typeface="+mn-ea"/>
+                <a:cs typeface="+mn-cs"/>
+              </a:defRPr>
+            </a:lvl9pPr>
+          </a:lstStyle>
+          <a:p>
+            <a:r>
+              <a:rPr lang="en-GB" b="1" i="1" dirty="0">
+                <a:latin typeface="Segoe UI"/>
+                <a:cs typeface="Segoe UI"/>
+              </a:rPr>
+              <a:t>Martin Walther</a:t>
+            </a:r>
+          </a:p>
+        </p:txBody>
+      </p:sp>
+      <p:cxnSp>
+        <p:nvCxnSpPr>
+          <p:cNvPr id="4" name="Connecteur droit 5">
+            <a:extLst>
+              <a:ext uri="{FF2B5EF4-FFF2-40B4-BE49-F238E27FC236}">
+                <a16:creationId xmlns:a16="http://schemas.microsoft.com/office/drawing/2014/main" id="{41E94E1A-6519-89D9-913B-AAA7D182F5FE}"/>
+              </a:ext>
+            </a:extLst>
+          </p:cNvPr>
+          <p:cNvCxnSpPr/>
+          <p:nvPr/>
+        </p:nvCxnSpPr>
+        <p:spPr>
+          <a:xfrm>
+            <a:off x="3867150" y="4089400"/>
+            <a:ext cx="4508500" cy="0"/>
+          </a:xfrm>
+          <a:prstGeom prst="line">
+            <a:avLst/>
+          </a:prstGeom>
+          <a:ln>
+            <a:solidFill>
+              <a:srgbClr val="3B2B46"/>
+            </a:solidFill>
+          </a:ln>
+        </p:spPr>
+        <p:style>
+          <a:lnRef idx="1">
+            <a:schemeClr val="accent1"/>
+          </a:lnRef>
+          <a:fillRef idx="0">
+            <a:schemeClr val="accent1"/>
+          </a:fillRef>
+          <a:effectRef idx="0">
+            <a:schemeClr val="accent1"/>
+          </a:effectRef>
+          <a:fontRef idx="minor">
+            <a:schemeClr val="tx1"/>
+          </a:fontRef>
+        </p:style>
+      </p:cxnSp>
+      <p:sp>
+        <p:nvSpPr>
+          <p:cNvPr id="5" name="Titel 4">
+            <a:extLst>
+              <a:ext uri="{FF2B5EF4-FFF2-40B4-BE49-F238E27FC236}">
+                <a16:creationId xmlns:a16="http://schemas.microsoft.com/office/drawing/2014/main" id="{30DEE78F-0123-2FC8-438D-FF98FAB7051F}"/>
+              </a:ext>
+            </a:extLst>
+          </p:cNvPr>
+          <p:cNvSpPr>
+            <a:spLocks noGrp="1"/>
+          </p:cNvSpPr>
+          <p:nvPr>
+            <p:ph type="title" idx="4294967295"/>
+          </p:nvPr>
+        </p:nvSpPr>
+        <p:spPr>
+          <a:xfrm>
+            <a:off x="863600" y="2672840"/>
+            <a:ext cx="10515600" cy="1325563"/>
+          </a:xfrm>
+          <a:prstGeom prst="rect">
+            <a:avLst/>
+          </a:prstGeom>
+        </p:spPr>
+        <p:txBody>
+          <a:bodyPr lIns="91440" tIns="45720" rIns="91440" bIns="45720" anchor="b" anchorCtr="0"/>
+          <a:lstStyle/>
+          <a:p>
+            <a:pPr algn="ctr"/>
+            <a:r>
+              <a:rPr lang="en-US" sz="6000" dirty="0">
+                <a:solidFill>
+                  <a:srgbClr val="346296"/>
+                </a:solidFill>
+                <a:ea typeface="+mj-lt"/>
+                <a:cs typeface="+mj-lt"/>
+              </a:rPr>
+              <a:t>PowerShell </a:t>
+            </a:r>
+            <a:r>
+              <a:rPr lang="en-US" sz="6000" dirty="0" err="1">
+                <a:solidFill>
+                  <a:srgbClr val="346296"/>
+                </a:solidFill>
+                <a:ea typeface="+mj-lt"/>
+                <a:cs typeface="+mj-lt"/>
+              </a:rPr>
+              <a:t>RotaMaster</a:t>
+            </a:r>
+            <a:endParaRPr lang="en-US" dirty="0" err="1"/>
+          </a:p>
+          <a:p>
+            <a:pPr algn="ctr"/>
+            <a:r>
+              <a:rPr lang="en-US" sz="3200" dirty="0">
+                <a:solidFill>
+                  <a:srgbClr val="346296"/>
+                </a:solidFill>
+                <a:ea typeface="+mj-lt"/>
+                <a:cs typeface="+mj-lt"/>
+              </a:rPr>
+              <a:t>Absence and duty scheduling program for teams</a:t>
+            </a:r>
+            <a:endParaRPr lang="en-US" sz="3200" dirty="0"/>
+          </a:p>
+        </p:txBody>
+      </p:sp>
+    </p:spTree>
+    <p:extLst>
+      <p:ext uri="{BB962C8B-B14F-4D97-AF65-F5344CB8AC3E}">
+        <p14:creationId xmlns:p14="http://schemas.microsoft.com/office/powerpoint/2010/main" val="2420373045"/>
+      </p:ext>
+    </p:extLst>
+  </p:cSld>
+  <p:clrMapOvr>
+    <a:masterClrMapping/>
+  </p:clrMapOvr>
+</p:sld>
+</file>
+
+<file path=ppt/slides/slide6.xml><?xml version="1.0" encoding="utf-8"?>
+<p:sld xmlns:a="http://schemas.openxmlformats.org/drawingml/2006/main" xmlns:r="http://schemas.openxmlformats.org/officeDocument/2006/relationships" xmlns:p="http://schemas.openxmlformats.org/presentationml/2006/main">
+  <p:cSld>
+    <p:spTree>
+      <p:nvGrpSpPr>
         <p:cNvPr id="1" name=""/>
         <p:cNvGrpSpPr/>
         <p:nvPr/>
@@ -6996,7 +7965,7 @@
 </p:sld>
 </file>
 
-<file path=ppt/slides/slide6.xml><?xml version="1.0" encoding="utf-8"?>
+<file path=ppt/slides/slide7.xml><?xml version="1.0" encoding="utf-8"?>
 <p:sld xmlns:a="http://schemas.openxmlformats.org/drawingml/2006/main" xmlns:r="http://schemas.openxmlformats.org/officeDocument/2006/relationships" xmlns:p="http://schemas.openxmlformats.org/presentationml/2006/main">
   <p:cSld>
     <p:spTree>
@@ -7093,37 +8062,51 @@
                 <a:ea typeface="+mn-lt"/>
                 <a:cs typeface="+mn-lt"/>
               </a:rPr>
-              <a:t>The Rotation Master is an absence and duty scheduling program for teams with </a:t>
-            </a:r>
-            <a:r>
-              <a:rPr lang="en-US" sz="3200" err="1">
-                <a:ea typeface="+mn-lt"/>
-                <a:cs typeface="+mn-lt"/>
+              <a:t>The Rotation Master is an absence and on-call duty planning program for teams with Integration of </a:t>
+            </a:r>
+            <a:r>
+              <a:rPr lang="en-US" sz="3200" dirty="0" err="1">
+                <a:hlinkClick r:id="rId3"/>
               </a:rPr>
-              <a:t>OpsGenie</a:t>
-            </a:r>
+              <a:t>Opsgenie</a:t>
+            </a:r>
+            <a:r>
+              <a:rPr lang="en-US" sz="3200" dirty="0"/>
+              <a:t>.</a:t>
+            </a:r>
+            <a:endParaRPr lang="en-US" sz="3200" dirty="0">
+              <a:ea typeface="+mn-lt"/>
+              <a:cs typeface="+mn-lt"/>
+            </a:endParaRPr>
+          </a:p>
+          <a:p>
+            <a:pPr>
+              <a:buFont typeface="Wingdings"/>
+              <a:buChar char="§"/>
+            </a:pPr>
             <a:r>
               <a:rPr lang="en-US" sz="3200" dirty="0">
                 <a:ea typeface="+mn-lt"/>
                 <a:cs typeface="+mn-lt"/>
               </a:rPr>
-              <a:t> Integration.</a:t>
-            </a:r>
-          </a:p>
-          <a:p>
-            <a:pPr>
-              <a:buFont typeface="Wingdings"/>
-              <a:buChar char="§"/>
-            </a:pPr>
+              <a:t>It’s based on </a:t>
+            </a:r>
+            <a:r>
+              <a:rPr lang="en-US" sz="3200" b="1" dirty="0">
+                <a:ea typeface="+mn-lt"/>
+                <a:cs typeface="+mn-lt"/>
+              </a:rPr>
+              <a:t>Pode</a:t>
+            </a:r>
             <a:r>
               <a:rPr lang="en-US" sz="3200" dirty="0">
                 <a:ea typeface="+mn-lt"/>
                 <a:cs typeface="+mn-lt"/>
               </a:rPr>
-              <a:t>It’s based on Pode (PowerShell) for the API, and </a:t>
-            </a:r>
-            <a:r>
-              <a:rPr lang="en-US" sz="3200" err="1">
+              <a:t> (PowerShell) for the API, and </a:t>
+            </a:r>
+            <a:r>
+              <a:rPr lang="en-US" sz="3200" b="1" dirty="0" err="1">
                 <a:ea typeface="+mn-lt"/>
                 <a:cs typeface="+mn-lt"/>
               </a:rPr>
@@ -7134,7 +8117,21 @@
                 <a:ea typeface="+mn-lt"/>
                 <a:cs typeface="+mn-lt"/>
               </a:rPr>
-              <a:t> (JavaScript) for the Frontend, and SQLite as Database.</a:t>
+              <a:t> (JavaScript) for the Frontend, and </a:t>
+            </a:r>
+            <a:r>
+              <a:rPr lang="en-US" sz="3200" b="1" dirty="0">
+                <a:ea typeface="+mn-lt"/>
+                <a:cs typeface="+mn-lt"/>
+              </a:rPr>
+              <a:t>SQLite</a:t>
+            </a:r>
+            <a:r>
+              <a:rPr lang="en-US" sz="3200" dirty="0">
+                <a:ea typeface="+mn-lt"/>
+                <a:cs typeface="+mn-lt"/>
+              </a:rPr>
+              <a:t> as Database.</a:t>
             </a:r>
           </a:p>
           <a:p>
@@ -7387,7 +8384,7 @@
 </p:sld>
 </file>
 
-<file path=ppt/slides/slide7.xml><?xml version="1.0" encoding="utf-8"?>
+<file path=ppt/slides/slide8.xml><?xml version="1.0" encoding="utf-8"?>
 <p:sld xmlns:a="http://schemas.openxmlformats.org/drawingml/2006/main" xmlns:r="http://schemas.openxmlformats.org/officeDocument/2006/relationships" xmlns:p="http://schemas.openxmlformats.org/presentationml/2006/main">
   <p:cSld>
     <p:spTree>
@@ -7535,7 +8532,7 @@
 </p:sld>
 </file>
 
-<file path=ppt/slides/slide8.xml><?xml version="1.0" encoding="utf-8"?>
+<file path=ppt/slides/slide9.xml><?xml version="1.0" encoding="utf-8"?>
 <p:sld xmlns:a="http://schemas.openxmlformats.org/drawingml/2006/main" xmlns:r="http://schemas.openxmlformats.org/officeDocument/2006/relationships" xmlns:p="http://schemas.openxmlformats.org/presentationml/2006/main">
   <p:cSld>
     <p:spTree>
@@ -7694,125 +8691,6 @@
     <p:extLst>
       <p:ext uri="{BB962C8B-B14F-4D97-AF65-F5344CB8AC3E}">
         <p14:creationId xmlns:p14="http://schemas.microsoft.com/office/powerpoint/2010/main" val="2402444092"/>
-      </p:ext>
-    </p:extLst>
-  </p:cSld>
-  <p:clrMapOvr>
-    <a:masterClrMapping/>
-  </p:clrMapOvr>
-</p:sld>
-</file>
-
-<file path=ppt/slides/slide9.xml><?xml version="1.0" encoding="utf-8"?>
-<p:sld xmlns:a="http://schemas.openxmlformats.org/drawingml/2006/main" xmlns:r="http://schemas.openxmlformats.org/officeDocument/2006/relationships" xmlns:p="http://schemas.openxmlformats.org/presentationml/2006/main">
-  <p:cSld>
-    <p:spTree>
-      <p:nvGrpSpPr>
-        <p:cNvPr id="1" name=""/>
-        <p:cNvGrpSpPr/>
-        <p:nvPr/>
-      </p:nvGrpSpPr>
-      <p:grpSpPr>
-        <a:xfrm>
-          <a:off x="0" y="0"/>
-          <a:ext cx="0" cy="0"/>
-          <a:chOff x="0" y="0"/>
-          <a:chExt cx="0" cy="0"/>
-        </a:xfrm>
-      </p:grpSpPr>
-      <p:sp>
-        <p:nvSpPr>
-          <p:cNvPr id="2" name="Title 1">
-            <a:extLst>
-              <a:ext uri="{FF2B5EF4-FFF2-40B4-BE49-F238E27FC236}">
-                <a16:creationId xmlns:a16="http://schemas.microsoft.com/office/drawing/2014/main" id="{08B58175-61E6-1209-825C-909EA21547F3}"/>
-              </a:ext>
-            </a:extLst>
-          </p:cNvPr>
-          <p:cNvSpPr>
-            <a:spLocks noGrp="1"/>
-          </p:cNvSpPr>
-          <p:nvPr>
-            <p:ph type="title"/>
-          </p:nvPr>
-        </p:nvSpPr>
-        <p:spPr/>
-        <p:txBody>
-          <a:bodyPr/>
-          <a:lstStyle/>
-          <a:p>
-            <a:r>
-              <a:rPr lang="en-US" dirty="0">
-                <a:ea typeface="+mj-lt"/>
-                <a:cs typeface="+mj-lt"/>
-              </a:rPr>
-              <a:t>Why I need the </a:t>
-            </a:r>
-            <a:r>
-              <a:rPr lang="en-US" dirty="0" err="1">
-                <a:ea typeface="+mj-lt"/>
-                <a:cs typeface="+mj-lt"/>
-              </a:rPr>
-              <a:t>RotaMaster</a:t>
-            </a:r>
-            <a:r>
-              <a:rPr lang="en-US" dirty="0">
-                <a:ea typeface="+mj-lt"/>
-                <a:cs typeface="+mj-lt"/>
-              </a:rPr>
-              <a:t>?</a:t>
-            </a:r>
-            <a:endParaRPr lang="en-US" dirty="0"/>
-          </a:p>
-        </p:txBody>
-      </p:sp>
-      <p:sp>
-        <p:nvSpPr>
-          <p:cNvPr id="3" name="Content Placeholder 2">
-            <a:extLst>
-              <a:ext uri="{FF2B5EF4-FFF2-40B4-BE49-F238E27FC236}">
-                <a16:creationId xmlns:a16="http://schemas.microsoft.com/office/drawing/2014/main" id="{011E2DCF-682F-3D80-51CE-9656D78B4750}"/>
-              </a:ext>
-            </a:extLst>
-          </p:cNvPr>
-          <p:cNvSpPr>
-            <a:spLocks noGrp="1"/>
-          </p:cNvSpPr>
-          <p:nvPr>
-            <p:ph idx="1"/>
-          </p:nvPr>
-        </p:nvSpPr>
-        <p:spPr/>
-        <p:txBody>
-          <a:bodyPr vert="horz" lIns="91440" tIns="45720" rIns="91440" bIns="45720" rtlCol="0" anchor="t">
-            <a:normAutofit/>
-          </a:bodyPr>
-          <a:lstStyle/>
-          <a:p>
-            <a:r>
-              <a:rPr lang="en-US" sz="3200" dirty="0">
-                <a:ea typeface="+mn-lt"/>
-                <a:cs typeface="+mn-lt"/>
-              </a:rPr>
-              <a:t>And if you would have the absences and on-call schedules in your Outlook, do the same thing again, in another program, and again, and again, and again, …</a:t>
-            </a:r>
-            <a:endParaRPr lang="en-US" sz="3200" dirty="0">
-              <a:ea typeface="Calibri"/>
-              <a:cs typeface="Calibri"/>
-            </a:endParaRPr>
-          </a:p>
-          <a:p>
-            <a:endParaRPr lang="en-US" sz="3200" dirty="0">
-              <a:ea typeface="Calibri"/>
-              <a:cs typeface="Calibri"/>
-            </a:endParaRPr>
-          </a:p>
-        </p:txBody>
-      </p:sp>
-    </p:spTree>
-    <p:extLst>
-      <p:ext uri="{BB962C8B-B14F-4D97-AF65-F5344CB8AC3E}">
-        <p14:creationId xmlns:p14="http://schemas.microsoft.com/office/powerpoint/2010/main" val="2384560619"/>
       </p:ext>
     </p:extLst>
   </p:cSld>
@@ -9519,6 +10397,26 @@
 </file>
 
 <file path=customXml/item1.xml><?xml version="1.0" encoding="utf-8"?>
+<?mso-contentType ?>
+<FormTemplates xmlns="http://schemas.microsoft.com/sharepoint/v3/contenttype/forms">
+  <Display>DocumentLibraryForm</Display>
+  <Edit>DocumentLibraryForm</Edit>
+  <New>DocumentLibraryForm</New>
+</FormTemplates>
+</file>
+
+<file path=customXml/item2.xml><?xml version="1.0" encoding="utf-8"?>
+<p:properties xmlns:p="http://schemas.microsoft.com/office/2006/metadata/properties" xmlns:xsi="http://www.w3.org/2001/XMLSchema-instance" xmlns:pc="http://schemas.microsoft.com/office/infopath/2007/PartnerControls">
+  <documentManagement>
+    <lcf76f155ced4ddcb4097134ff3c332f xmlns="2347cc20-e10c-452d-848a-c18e83138525">
+      <Terms xmlns="http://schemas.microsoft.com/office/infopath/2007/PartnerControls"/>
+    </lcf76f155ced4ddcb4097134ff3c332f>
+    <TaxCatchAll xmlns="85c0ce47-fe9c-4809-bf88-519c39a738e6" xsi:nil="true"/>
+  </documentManagement>
+</p:properties>
+</file>
+
+<file path=customXml/item3.xml><?xml version="1.0" encoding="utf-8"?>
 <ct:contentTypeSchema xmlns:ct="http://schemas.microsoft.com/office/2006/metadata/contentType" xmlns:ma="http://schemas.microsoft.com/office/2006/metadata/properties/metaAttributes" ct:_="" ma:_="" ma:contentTypeName="Document" ma:contentTypeID="0x010100465209AEF8DBB7418260C2A216A09DE4" ma:contentTypeVersion="13" ma:contentTypeDescription="Crée un document." ma:contentTypeScope="" ma:versionID="aacbea182e442c081ba3c266ed8afaf1">
   <xsd:schema xmlns:xsd="http://www.w3.org/2001/XMLSchema" xmlns:xs="http://www.w3.org/2001/XMLSchema" xmlns:p="http://schemas.microsoft.com/office/2006/metadata/properties" xmlns:ns2="2347cc20-e10c-452d-848a-c18e83138525" xmlns:ns3="85c0ce47-fe9c-4809-bf88-519c39a738e6" targetNamespace="http://schemas.microsoft.com/office/2006/metadata/properties" ma:root="true" ma:fieldsID="fe2d8c2794f7059c45f035c586269f9a" ns2:_="" ns3:_="">
     <xsd:import namespace="2347cc20-e10c-452d-848a-c18e83138525"/>
@@ -9725,27 +10623,26 @@
 </ct:contentTypeSchema>
 </file>
 
-<file path=customXml/item2.xml><?xml version="1.0" encoding="utf-8"?>
-<p:properties xmlns:p="http://schemas.microsoft.com/office/2006/metadata/properties" xmlns:xsi="http://www.w3.org/2001/XMLSchema-instance" xmlns:pc="http://schemas.microsoft.com/office/infopath/2007/PartnerControls">
-  <documentManagement>
-    <lcf76f155ced4ddcb4097134ff3c332f xmlns="2347cc20-e10c-452d-848a-c18e83138525">
-      <Terms xmlns="http://schemas.microsoft.com/office/infopath/2007/PartnerControls"/>
-    </lcf76f155ced4ddcb4097134ff3c332f>
-    <TaxCatchAll xmlns="85c0ce47-fe9c-4809-bf88-519c39a738e6" xsi:nil="true"/>
-  </documentManagement>
-</p:properties>
+<file path=customXml/itemProps1.xml><?xml version="1.0" encoding="utf-8"?>
+<ds:datastoreItem xmlns:ds="http://schemas.openxmlformats.org/officeDocument/2006/customXml" ds:itemID="{57D9B22B-F436-4FE5-B6C0-65AB2260F593}">
+  <ds:schemaRefs>
+    <ds:schemaRef ds:uri="http://schemas.microsoft.com/sharepoint/v3/contenttype/forms"/>
+  </ds:schemaRefs>
+</ds:datastoreItem>
 </file>
 
-<file path=customXml/item3.xml><?xml version="1.0" encoding="utf-8"?>
-<?mso-contentType ?>
-<FormTemplates xmlns="http://schemas.microsoft.com/sharepoint/v3/contenttype/forms">
-  <Display>DocumentLibraryForm</Display>
-  <Edit>DocumentLibraryForm</Edit>
-  <New>DocumentLibraryForm</New>
-</FormTemplates>
+<file path=customXml/itemProps2.xml><?xml version="1.0" encoding="utf-8"?>
+<ds:datastoreItem xmlns:ds="http://schemas.openxmlformats.org/officeDocument/2006/customXml" ds:itemID="{AA9C06E3-346E-408E-B352-32E922A070CE}">
+  <ds:schemaRefs>
+    <ds:schemaRef ds:uri="http://schemas.microsoft.com/office/2006/metadata/properties"/>
+    <ds:schemaRef ds:uri="http://schemas.microsoft.com/office/infopath/2007/PartnerControls"/>
+    <ds:schemaRef ds:uri="2347cc20-e10c-452d-848a-c18e83138525"/>
+    <ds:schemaRef ds:uri="85c0ce47-fe9c-4809-bf88-519c39a738e6"/>
+  </ds:schemaRefs>
+</ds:datastoreItem>
 </file>
 
-<file path=customXml/itemProps1.xml><?xml version="1.0" encoding="utf-8"?>
+<file path=customXml/itemProps3.xml><?xml version="1.0" encoding="utf-8"?>
 <ds:datastoreItem xmlns:ds="http://schemas.openxmlformats.org/officeDocument/2006/customXml" ds:itemID="{2D49AF2C-D145-4497-874A-78CB33723463}">
   <ds:schemaRefs>
     <ds:schemaRef ds:uri="http://schemas.microsoft.com/office/2006/metadata/contentType"/>
@@ -9762,23 +10659,4 @@
     <ds:schemaRef ds:uri="http://schemas.microsoft.com/internal/obd"/>
   </ds:schemaRefs>
 </ds:datastoreItem>
-</file>
-
-<file path=customXml/itemProps2.xml><?xml version="1.0" encoding="utf-8"?>
-<ds:datastoreItem xmlns:ds="http://schemas.openxmlformats.org/officeDocument/2006/customXml" ds:itemID="{AA9C06E3-346E-408E-B352-32E922A070CE}">
-  <ds:schemaRefs>
-    <ds:schemaRef ds:uri="http://schemas.microsoft.com/office/2006/metadata/properties"/>
-    <ds:schemaRef ds:uri="http://schemas.microsoft.com/office/infopath/2007/PartnerControls"/>
-    <ds:schemaRef ds:uri="2347cc20-e10c-452d-848a-c18e83138525"/>
-    <ds:schemaRef ds:uri="85c0ce47-fe9c-4809-bf88-519c39a738e6"/>
-  </ds:schemaRefs>
-</ds:datastoreItem>
-</file>
-
-<file path=customXml/itemProps3.xml><?xml version="1.0" encoding="utf-8"?>
-<ds:datastoreItem xmlns:ds="http://schemas.openxmlformats.org/officeDocument/2006/customXml" ds:itemID="{57D9B22B-F436-4FE5-B6C0-65AB2260F593}">
-  <ds:schemaRefs>
-    <ds:schemaRef ds:uri="http://schemas.microsoft.com/sharepoint/v3/contenttype/forms"/>
-  </ds:schemaRefs>
-</ds:datastoreItem>
 </file>